--- a/Notes/Anomaly_Detection.pptx
+++ b/Notes/Anomaly_Detection.pptx
@@ -4,6 +4,9 @@
   <p:sldMasterIdLst>
     <p:sldMasterId id="2147483648" r:id="rId1"/>
   </p:sldMasterIdLst>
+  <p:notesMasterIdLst>
+    <p:notesMasterId r:id="rId20"/>
+  </p:notesMasterIdLst>
   <p:sldIdLst>
     <p:sldId id="256" r:id="rId2"/>
     <p:sldId id="257" r:id="rId3"/>
@@ -17,6 +20,12 @@
     <p:sldId id="266" r:id="rId11"/>
     <p:sldId id="264" r:id="rId12"/>
     <p:sldId id="267" r:id="rId13"/>
+    <p:sldId id="268" r:id="rId14"/>
+    <p:sldId id="269" r:id="rId15"/>
+    <p:sldId id="270" r:id="rId16"/>
+    <p:sldId id="271" r:id="rId17"/>
+    <p:sldId id="272" r:id="rId18"/>
+    <p:sldId id="273" r:id="rId19"/>
   </p:sldIdLst>
   <p:sldSz cx="12192000" cy="6858000"/>
   <p:notesSz cx="6858000" cy="9144000"/>
@@ -115,7 +124,20 @@
       </a:defRPr>
     </a:lvl9pPr>
   </p:defaultTextStyle>
+  <p:extLst>
+    <p:ext uri="{EFAFB233-063F-42B5-8137-9DF3F51BA10A}">
+      <p15:sldGuideLst xmlns:p15="http://schemas.microsoft.com/office/powerpoint/2012/main"/>
+    </p:ext>
+  </p:extLst>
 </p:presentation>
+</file>
+
+<file path=ppt/revisionInfo.xml><?xml version="1.0" encoding="utf-8"?>
+<p1510:revInfo xmlns:a="http://schemas.openxmlformats.org/drawingml/2006/main" xmlns:r="http://schemas.openxmlformats.org/officeDocument/2006/relationships" xmlns:p1510="http://schemas.microsoft.com/office/powerpoint/2015/10/main">
+  <p1510:revLst>
+    <p1510:client id="{756562E8-9085-4B03-B111-612A7D86816D}" v="15" dt="2023-04-02T16:45:12.312"/>
+  </p1510:revLst>
+</p1510:revInfo>
 </file>
 
 <file path=ppt/diagrams/colors1.xml><?xml version="1.0" encoding="utf-8"?>
@@ -3343,6 +3365,1086 @@
 </dgm:styleDef>
 </file>
 
+<file path=ppt/notesMasters/notesMaster1.xml><?xml version="1.0" encoding="utf-8"?>
+<p:notesMaster xmlns:a="http://schemas.openxmlformats.org/drawingml/2006/main" xmlns:r="http://schemas.openxmlformats.org/officeDocument/2006/relationships" xmlns:p="http://schemas.openxmlformats.org/presentationml/2006/main">
+  <p:cSld>
+    <p:bg>
+      <p:bgRef idx="1001">
+        <a:schemeClr val="bg1"/>
+      </p:bgRef>
+    </p:bg>
+    <p:spTree>
+      <p:nvGrpSpPr>
+        <p:cNvPr id="1" name=""/>
+        <p:cNvGrpSpPr/>
+        <p:nvPr/>
+      </p:nvGrpSpPr>
+      <p:grpSpPr>
+        <a:xfrm>
+          <a:off x="0" y="0"/>
+          <a:ext cx="0" cy="0"/>
+          <a:chOff x="0" y="0"/>
+          <a:chExt cx="0" cy="0"/>
+        </a:xfrm>
+      </p:grpSpPr>
+      <p:sp>
+        <p:nvSpPr>
+          <p:cNvPr id="2" name="Header Placeholder 1"/>
+          <p:cNvSpPr>
+            <a:spLocks noGrp="1"/>
+          </p:cNvSpPr>
+          <p:nvPr>
+            <p:ph type="hdr" sz="quarter"/>
+          </p:nvPr>
+        </p:nvSpPr>
+        <p:spPr>
+          <a:xfrm>
+            <a:off x="0" y="0"/>
+            <a:ext cx="2971800" cy="458788"/>
+          </a:xfrm>
+          <a:prstGeom prst="rect">
+            <a:avLst/>
+          </a:prstGeom>
+        </p:spPr>
+        <p:txBody>
+          <a:bodyPr vert="horz" lIns="91440" tIns="45720" rIns="91440" bIns="45720" rtlCol="0"/>
+          <a:lstStyle>
+            <a:lvl1pPr algn="l">
+              <a:defRPr sz="1200"/>
+            </a:lvl1pPr>
+          </a:lstStyle>
+          <a:p>
+            <a:endParaRPr lang="pl-PL"/>
+          </a:p>
+        </p:txBody>
+      </p:sp>
+      <p:sp>
+        <p:nvSpPr>
+          <p:cNvPr id="3" name="Date Placeholder 2"/>
+          <p:cNvSpPr>
+            <a:spLocks noGrp="1"/>
+          </p:cNvSpPr>
+          <p:nvPr>
+            <p:ph type="dt" idx="1"/>
+          </p:nvPr>
+        </p:nvSpPr>
+        <p:spPr>
+          <a:xfrm>
+            <a:off x="3884613" y="0"/>
+            <a:ext cx="2971800" cy="458788"/>
+          </a:xfrm>
+          <a:prstGeom prst="rect">
+            <a:avLst/>
+          </a:prstGeom>
+        </p:spPr>
+        <p:txBody>
+          <a:bodyPr vert="horz" lIns="91440" tIns="45720" rIns="91440" bIns="45720" rtlCol="0"/>
+          <a:lstStyle>
+            <a:lvl1pPr algn="r">
+              <a:defRPr sz="1200"/>
+            </a:lvl1pPr>
+          </a:lstStyle>
+          <a:p>
+            <a:fld id="{EE9D6341-4841-462F-9C2F-FB55FD4AE883}" type="datetimeFigureOut">
+              <a:rPr lang="pl-PL" smtClean="0"/>
+              <a:t>02.04.2023</a:t>
+            </a:fld>
+            <a:endParaRPr lang="pl-PL"/>
+          </a:p>
+        </p:txBody>
+      </p:sp>
+      <p:sp>
+        <p:nvSpPr>
+          <p:cNvPr id="4" name="Slide Image Placeholder 3"/>
+          <p:cNvSpPr>
+            <a:spLocks noGrp="1" noRot="1" noChangeAspect="1"/>
+          </p:cNvSpPr>
+          <p:nvPr>
+            <p:ph type="sldImg" idx="2"/>
+          </p:nvPr>
+        </p:nvSpPr>
+        <p:spPr>
+          <a:xfrm>
+            <a:off x="685800" y="1143000"/>
+            <a:ext cx="5486400" cy="3086100"/>
+          </a:xfrm>
+          <a:prstGeom prst="rect">
+            <a:avLst/>
+          </a:prstGeom>
+          <a:noFill/>
+          <a:ln w="12700">
+            <a:solidFill>
+              <a:prstClr val="black"/>
+            </a:solidFill>
+          </a:ln>
+        </p:spPr>
+        <p:txBody>
+          <a:bodyPr vert="horz" lIns="91440" tIns="45720" rIns="91440" bIns="45720" rtlCol="0" anchor="ctr"/>
+          <a:lstStyle/>
+          <a:p>
+            <a:endParaRPr lang="pl-PL"/>
+          </a:p>
+        </p:txBody>
+      </p:sp>
+      <p:sp>
+        <p:nvSpPr>
+          <p:cNvPr id="5" name="Notes Placeholder 4"/>
+          <p:cNvSpPr>
+            <a:spLocks noGrp="1"/>
+          </p:cNvSpPr>
+          <p:nvPr>
+            <p:ph type="body" sz="quarter" idx="3"/>
+          </p:nvPr>
+        </p:nvSpPr>
+        <p:spPr>
+          <a:xfrm>
+            <a:off x="685800" y="4400550"/>
+            <a:ext cx="5486400" cy="3600450"/>
+          </a:xfrm>
+          <a:prstGeom prst="rect">
+            <a:avLst/>
+          </a:prstGeom>
+        </p:spPr>
+        <p:txBody>
+          <a:bodyPr vert="horz" lIns="91440" tIns="45720" rIns="91440" bIns="45720" rtlCol="0"/>
+          <a:lstStyle/>
+          <a:p>
+            <a:pPr lvl="0"/>
+            <a:r>
+              <a:rPr lang="en-US"/>
+              <a:t>Click to edit Master text styles</a:t>
+            </a:r>
+          </a:p>
+          <a:p>
+            <a:pPr lvl="1"/>
+            <a:r>
+              <a:rPr lang="en-US"/>
+              <a:t>Second level</a:t>
+            </a:r>
+          </a:p>
+          <a:p>
+            <a:pPr lvl="2"/>
+            <a:r>
+              <a:rPr lang="en-US"/>
+              <a:t>Third level</a:t>
+            </a:r>
+          </a:p>
+          <a:p>
+            <a:pPr lvl="3"/>
+            <a:r>
+              <a:rPr lang="en-US"/>
+              <a:t>Fourth level</a:t>
+            </a:r>
+          </a:p>
+          <a:p>
+            <a:pPr lvl="4"/>
+            <a:r>
+              <a:rPr lang="en-US"/>
+              <a:t>Fifth level</a:t>
+            </a:r>
+            <a:endParaRPr lang="pl-PL"/>
+          </a:p>
+        </p:txBody>
+      </p:sp>
+      <p:sp>
+        <p:nvSpPr>
+          <p:cNvPr id="6" name="Footer Placeholder 5"/>
+          <p:cNvSpPr>
+            <a:spLocks noGrp="1"/>
+          </p:cNvSpPr>
+          <p:nvPr>
+            <p:ph type="ftr" sz="quarter" idx="4"/>
+          </p:nvPr>
+        </p:nvSpPr>
+        <p:spPr>
+          <a:xfrm>
+            <a:off x="0" y="8685213"/>
+            <a:ext cx="2971800" cy="458787"/>
+          </a:xfrm>
+          <a:prstGeom prst="rect">
+            <a:avLst/>
+          </a:prstGeom>
+        </p:spPr>
+        <p:txBody>
+          <a:bodyPr vert="horz" lIns="91440" tIns="45720" rIns="91440" bIns="45720" rtlCol="0" anchor="b"/>
+          <a:lstStyle>
+            <a:lvl1pPr algn="l">
+              <a:defRPr sz="1200"/>
+            </a:lvl1pPr>
+          </a:lstStyle>
+          <a:p>
+            <a:endParaRPr lang="pl-PL"/>
+          </a:p>
+        </p:txBody>
+      </p:sp>
+      <p:sp>
+        <p:nvSpPr>
+          <p:cNvPr id="7" name="Slide Number Placeholder 6"/>
+          <p:cNvSpPr>
+            <a:spLocks noGrp="1"/>
+          </p:cNvSpPr>
+          <p:nvPr>
+            <p:ph type="sldNum" sz="quarter" idx="5"/>
+          </p:nvPr>
+        </p:nvSpPr>
+        <p:spPr>
+          <a:xfrm>
+            <a:off x="3884613" y="8685213"/>
+            <a:ext cx="2971800" cy="458787"/>
+          </a:xfrm>
+          <a:prstGeom prst="rect">
+            <a:avLst/>
+          </a:prstGeom>
+        </p:spPr>
+        <p:txBody>
+          <a:bodyPr vert="horz" lIns="91440" tIns="45720" rIns="91440" bIns="45720" rtlCol="0" anchor="b"/>
+          <a:lstStyle>
+            <a:lvl1pPr algn="r">
+              <a:defRPr sz="1200"/>
+            </a:lvl1pPr>
+          </a:lstStyle>
+          <a:p>
+            <a:fld id="{AAA78D00-F4AE-4F1F-8408-623756211505}" type="slidenum">
+              <a:rPr lang="pl-PL" smtClean="0"/>
+              <a:t>‹#›</a:t>
+            </a:fld>
+            <a:endParaRPr lang="pl-PL"/>
+          </a:p>
+        </p:txBody>
+      </p:sp>
+    </p:spTree>
+    <p:extLst>
+      <p:ext uri="{BB962C8B-B14F-4D97-AF65-F5344CB8AC3E}">
+        <p14:creationId xmlns:p14="http://schemas.microsoft.com/office/powerpoint/2010/main" val="3921807256"/>
+      </p:ext>
+    </p:extLst>
+  </p:cSld>
+  <p:clrMap bg1="lt1" tx1="dk1" bg2="lt2" tx2="dk2" accent1="accent1" accent2="accent2" accent3="accent3" accent4="accent4" accent5="accent5" accent6="accent6" hlink="hlink" folHlink="folHlink"/>
+  <p:notesStyle>
+    <a:lvl1pPr marL="0" algn="l" defTabSz="914400" rtl="0" eaLnBrk="1" latinLnBrk="0" hangingPunct="1">
+      <a:defRPr sz="1200" kern="1200">
+        <a:solidFill>
+          <a:schemeClr val="tx1"/>
+        </a:solidFill>
+        <a:latin typeface="+mn-lt"/>
+        <a:ea typeface="+mn-ea"/>
+        <a:cs typeface="+mn-cs"/>
+      </a:defRPr>
+    </a:lvl1pPr>
+    <a:lvl2pPr marL="457200" algn="l" defTabSz="914400" rtl="0" eaLnBrk="1" latinLnBrk="0" hangingPunct="1">
+      <a:defRPr sz="1200" kern="1200">
+        <a:solidFill>
+          <a:schemeClr val="tx1"/>
+        </a:solidFill>
+        <a:latin typeface="+mn-lt"/>
+        <a:ea typeface="+mn-ea"/>
+        <a:cs typeface="+mn-cs"/>
+      </a:defRPr>
+    </a:lvl2pPr>
+    <a:lvl3pPr marL="914400" algn="l" defTabSz="914400" rtl="0" eaLnBrk="1" latinLnBrk="0" hangingPunct="1">
+      <a:defRPr sz="1200" kern="1200">
+        <a:solidFill>
+          <a:schemeClr val="tx1"/>
+        </a:solidFill>
+        <a:latin typeface="+mn-lt"/>
+        <a:ea typeface="+mn-ea"/>
+        <a:cs typeface="+mn-cs"/>
+      </a:defRPr>
+    </a:lvl3pPr>
+    <a:lvl4pPr marL="1371600" algn="l" defTabSz="914400" rtl="0" eaLnBrk="1" latinLnBrk="0" hangingPunct="1">
+      <a:defRPr sz="1200" kern="1200">
+        <a:solidFill>
+          <a:schemeClr val="tx1"/>
+        </a:solidFill>
+        <a:latin typeface="+mn-lt"/>
+        <a:ea typeface="+mn-ea"/>
+        <a:cs typeface="+mn-cs"/>
+      </a:defRPr>
+    </a:lvl4pPr>
+    <a:lvl5pPr marL="1828800" algn="l" defTabSz="914400" rtl="0" eaLnBrk="1" latinLnBrk="0" hangingPunct="1">
+      <a:defRPr sz="1200" kern="1200">
+        <a:solidFill>
+          <a:schemeClr val="tx1"/>
+        </a:solidFill>
+        <a:latin typeface="+mn-lt"/>
+        <a:ea typeface="+mn-ea"/>
+        <a:cs typeface="+mn-cs"/>
+      </a:defRPr>
+    </a:lvl5pPr>
+    <a:lvl6pPr marL="2286000" algn="l" defTabSz="914400" rtl="0" eaLnBrk="1" latinLnBrk="0" hangingPunct="1">
+      <a:defRPr sz="1200" kern="1200">
+        <a:solidFill>
+          <a:schemeClr val="tx1"/>
+        </a:solidFill>
+        <a:latin typeface="+mn-lt"/>
+        <a:ea typeface="+mn-ea"/>
+        <a:cs typeface="+mn-cs"/>
+      </a:defRPr>
+    </a:lvl6pPr>
+    <a:lvl7pPr marL="2743200" algn="l" defTabSz="914400" rtl="0" eaLnBrk="1" latinLnBrk="0" hangingPunct="1">
+      <a:defRPr sz="1200" kern="1200">
+        <a:solidFill>
+          <a:schemeClr val="tx1"/>
+        </a:solidFill>
+        <a:latin typeface="+mn-lt"/>
+        <a:ea typeface="+mn-ea"/>
+        <a:cs typeface="+mn-cs"/>
+      </a:defRPr>
+    </a:lvl7pPr>
+    <a:lvl8pPr marL="3200400" algn="l" defTabSz="914400" rtl="0" eaLnBrk="1" latinLnBrk="0" hangingPunct="1">
+      <a:defRPr sz="1200" kern="1200">
+        <a:solidFill>
+          <a:schemeClr val="tx1"/>
+        </a:solidFill>
+        <a:latin typeface="+mn-lt"/>
+        <a:ea typeface="+mn-ea"/>
+        <a:cs typeface="+mn-cs"/>
+      </a:defRPr>
+    </a:lvl8pPr>
+    <a:lvl9pPr marL="3657600" algn="l" defTabSz="914400" rtl="0" eaLnBrk="1" latinLnBrk="0" hangingPunct="1">
+      <a:defRPr sz="1200" kern="1200">
+        <a:solidFill>
+          <a:schemeClr val="tx1"/>
+        </a:solidFill>
+        <a:latin typeface="+mn-lt"/>
+        <a:ea typeface="+mn-ea"/>
+        <a:cs typeface="+mn-cs"/>
+      </a:defRPr>
+    </a:lvl9pPr>
+  </p:notesStyle>
+</p:notesMaster>
+</file>
+
+<file path=ppt/notesSlides/notesSlide1.xml><?xml version="1.0" encoding="utf-8"?>
+<p:notes xmlns:a="http://schemas.openxmlformats.org/drawingml/2006/main" xmlns:r="http://schemas.openxmlformats.org/officeDocument/2006/relationships" xmlns:p="http://schemas.openxmlformats.org/presentationml/2006/main">
+  <p:cSld>
+    <p:spTree>
+      <p:nvGrpSpPr>
+        <p:cNvPr id="1" name=""/>
+        <p:cNvGrpSpPr/>
+        <p:nvPr/>
+      </p:nvGrpSpPr>
+      <p:grpSpPr>
+        <a:xfrm>
+          <a:off x="0" y="0"/>
+          <a:ext cx="0" cy="0"/>
+          <a:chOff x="0" y="0"/>
+          <a:chExt cx="0" cy="0"/>
+        </a:xfrm>
+      </p:grpSpPr>
+      <p:sp>
+        <p:nvSpPr>
+          <p:cNvPr id="2" name="Slide Image Placeholder 1"/>
+          <p:cNvSpPr>
+            <a:spLocks noGrp="1" noRot="1" noChangeAspect="1"/>
+          </p:cNvSpPr>
+          <p:nvPr>
+            <p:ph type="sldImg"/>
+          </p:nvPr>
+        </p:nvSpPr>
+        <p:spPr/>
+      </p:sp>
+      <p:sp>
+        <p:nvSpPr>
+          <p:cNvPr id="3" name="Notes Placeholder 2"/>
+          <p:cNvSpPr>
+            <a:spLocks noGrp="1"/>
+          </p:cNvSpPr>
+          <p:nvPr>
+            <p:ph type="body" idx="1"/>
+          </p:nvPr>
+        </p:nvSpPr>
+        <p:spPr/>
+        <p:txBody>
+          <a:bodyPr/>
+          <a:lstStyle/>
+          <a:p>
+            <a:r>
+              <a:rPr lang="pl-PL" dirty="0"/>
+              <a:t>Generative Adversarial Networks </a:t>
+            </a:r>
+            <a:r>
+              <a:rPr lang="en-US" dirty="0"/>
+              <a:t>train two networks, a ‘Generator’ (G) and a</a:t>
+            </a:r>
+          </a:p>
+          <a:p>
+            <a:r>
+              <a:rPr lang="en-US" dirty="0"/>
+              <a:t>‘Discriminator’ (D), which play a min-max game. G tries to</a:t>
+            </a:r>
+          </a:p>
+          <a:p>
+            <a:r>
+              <a:rPr lang="en-US" dirty="0"/>
+              <a:t>fool D, while D tries avoid being fooled.</a:t>
+            </a:r>
+            <a:endParaRPr lang="pl-PL" dirty="0"/>
+          </a:p>
+        </p:txBody>
+      </p:sp>
+      <p:sp>
+        <p:nvSpPr>
+          <p:cNvPr id="4" name="Slide Number Placeholder 3"/>
+          <p:cNvSpPr>
+            <a:spLocks noGrp="1"/>
+          </p:cNvSpPr>
+          <p:nvPr>
+            <p:ph type="sldNum" sz="quarter" idx="5"/>
+          </p:nvPr>
+        </p:nvSpPr>
+        <p:spPr/>
+        <p:txBody>
+          <a:bodyPr/>
+          <a:lstStyle/>
+          <a:p>
+            <a:fld id="{AAA78D00-F4AE-4F1F-8408-623756211505}" type="slidenum">
+              <a:rPr lang="pl-PL" smtClean="0"/>
+              <a:t>14</a:t>
+            </a:fld>
+            <a:endParaRPr lang="pl-PL"/>
+          </a:p>
+        </p:txBody>
+      </p:sp>
+    </p:spTree>
+    <p:extLst>
+      <p:ext uri="{BB962C8B-B14F-4D97-AF65-F5344CB8AC3E}">
+        <p14:creationId xmlns:p14="http://schemas.microsoft.com/office/powerpoint/2010/main" val="103528253"/>
+      </p:ext>
+    </p:extLst>
+  </p:cSld>
+  <p:clrMapOvr>
+    <a:masterClrMapping/>
+  </p:clrMapOvr>
+</p:notes>
+</file>
+
+<file path=ppt/notesSlides/notesSlide2.xml><?xml version="1.0" encoding="utf-8"?>
+<p:notes xmlns:a="http://schemas.openxmlformats.org/drawingml/2006/main" xmlns:r="http://schemas.openxmlformats.org/officeDocument/2006/relationships" xmlns:p="http://schemas.openxmlformats.org/presentationml/2006/main">
+  <p:cSld>
+    <p:spTree>
+      <p:nvGrpSpPr>
+        <p:cNvPr id="1" name=""/>
+        <p:cNvGrpSpPr/>
+        <p:nvPr/>
+      </p:nvGrpSpPr>
+      <p:grpSpPr>
+        <a:xfrm>
+          <a:off x="0" y="0"/>
+          <a:ext cx="0" cy="0"/>
+          <a:chOff x="0" y="0"/>
+          <a:chExt cx="0" cy="0"/>
+        </a:xfrm>
+      </p:grpSpPr>
+      <p:sp>
+        <p:nvSpPr>
+          <p:cNvPr id="2" name="Slide Image Placeholder 1"/>
+          <p:cNvSpPr>
+            <a:spLocks noGrp="1" noRot="1" noChangeAspect="1"/>
+          </p:cNvSpPr>
+          <p:nvPr>
+            <p:ph type="sldImg"/>
+          </p:nvPr>
+        </p:nvSpPr>
+        <p:spPr/>
+      </p:sp>
+      <p:sp>
+        <p:nvSpPr>
+          <p:cNvPr id="3" name="Notes Placeholder 2"/>
+          <p:cNvSpPr>
+            <a:spLocks noGrp="1"/>
+          </p:cNvSpPr>
+          <p:nvPr>
+            <p:ph type="body" idx="1"/>
+          </p:nvPr>
+        </p:nvSpPr>
+        <p:spPr/>
+        <p:txBody>
+          <a:bodyPr/>
+          <a:lstStyle/>
+          <a:p>
+            <a:pPr algn="l"/>
+            <a:r>
+              <a:rPr lang="en-US" b="0" i="0" u="none" dirty="0">
+                <a:solidFill>
+                  <a:schemeClr val="tx1">
+                    <a:lumMod val="50000"/>
+                    <a:lumOff val="50000"/>
+                  </a:schemeClr>
+                </a:solidFill>
+                <a:effectLst/>
+                <a:latin typeface="Roboto" panose="02000000000000000000" pitchFamily="2" charset="0"/>
+              </a:rPr>
+              <a:t>The discriminator connects to two </a:t>
+            </a:r>
+            <a:r>
+              <a:rPr lang="en-US" b="0" i="0" u="none" dirty="0">
+                <a:solidFill>
+                  <a:schemeClr val="tx1">
+                    <a:lumMod val="50000"/>
+                    <a:lumOff val="50000"/>
+                  </a:schemeClr>
+                </a:solidFill>
+                <a:effectLst/>
+                <a:latin typeface="Roboto" panose="02000000000000000000" pitchFamily="2" charset="0"/>
+                <a:hlinkClick r:id="rId3">
+                  <a:extLst>
+                    <a:ext uri="{A12FA001-AC4F-418D-AE19-62706E023703}">
+                      <ahyp:hlinkClr xmlns:ahyp="http://schemas.microsoft.com/office/drawing/2018/hyperlinkcolor" val="tx"/>
+                    </a:ext>
+                  </a:extLst>
+                </a:hlinkClick>
+              </a:rPr>
+              <a:t>loss</a:t>
+            </a:r>
+            <a:r>
+              <a:rPr lang="en-US" b="0" i="0" u="none" dirty="0">
+                <a:solidFill>
+                  <a:schemeClr val="tx1">
+                    <a:lumMod val="50000"/>
+                    <a:lumOff val="50000"/>
+                  </a:schemeClr>
+                </a:solidFill>
+                <a:effectLst/>
+                <a:latin typeface="Roboto" panose="02000000000000000000" pitchFamily="2" charset="0"/>
+              </a:rPr>
+              <a:t> functions. During discriminator training, the discriminator ignores the generator loss and just uses the discriminator loss. During discriminator training:</a:t>
+            </a:r>
+          </a:p>
+          <a:p>
+            <a:pPr algn="l">
+              <a:buFont typeface="+mj-lt"/>
+              <a:buAutoNum type="arabicPeriod"/>
+            </a:pPr>
+            <a:r>
+              <a:rPr lang="en-US" b="0" i="0" u="none" dirty="0">
+                <a:solidFill>
+                  <a:schemeClr val="tx1">
+                    <a:lumMod val="50000"/>
+                    <a:lumOff val="50000"/>
+                  </a:schemeClr>
+                </a:solidFill>
+                <a:effectLst/>
+                <a:latin typeface="Roboto" panose="02000000000000000000" pitchFamily="2" charset="0"/>
+              </a:rPr>
+              <a:t>The discriminator classifies both real data and fake data from the generator.</a:t>
+            </a:r>
+          </a:p>
+          <a:p>
+            <a:pPr algn="l">
+              <a:buFont typeface="+mj-lt"/>
+              <a:buAutoNum type="arabicPeriod"/>
+            </a:pPr>
+            <a:r>
+              <a:rPr lang="en-US" b="0" i="0" u="none" dirty="0">
+                <a:solidFill>
+                  <a:schemeClr val="tx1">
+                    <a:lumMod val="50000"/>
+                    <a:lumOff val="50000"/>
+                  </a:schemeClr>
+                </a:solidFill>
+                <a:effectLst/>
+                <a:latin typeface="Roboto" panose="02000000000000000000" pitchFamily="2" charset="0"/>
+              </a:rPr>
+              <a:t>The discriminator loss penalizes the discriminator for misclassifying a real instance as fake or a fake instance as real.</a:t>
+            </a:r>
+          </a:p>
+          <a:p>
+            <a:pPr algn="l">
+              <a:buFont typeface="+mj-lt"/>
+              <a:buAutoNum type="arabicPeriod"/>
+            </a:pPr>
+            <a:r>
+              <a:rPr lang="en-US" b="0" i="0" u="none" dirty="0">
+                <a:solidFill>
+                  <a:schemeClr val="tx1">
+                    <a:lumMod val="50000"/>
+                    <a:lumOff val="50000"/>
+                  </a:schemeClr>
+                </a:solidFill>
+                <a:effectLst/>
+                <a:latin typeface="Roboto" panose="02000000000000000000" pitchFamily="2" charset="0"/>
+              </a:rPr>
+              <a:t>The discriminator updates its weights through </a:t>
+            </a:r>
+            <a:r>
+              <a:rPr lang="en-US" b="0" i="0" u="none" dirty="0">
+                <a:solidFill>
+                  <a:schemeClr val="tx1">
+                    <a:lumMod val="50000"/>
+                    <a:lumOff val="50000"/>
+                  </a:schemeClr>
+                </a:solidFill>
+                <a:effectLst/>
+                <a:latin typeface="Roboto" panose="02000000000000000000" pitchFamily="2" charset="0"/>
+                <a:hlinkClick r:id="rId4">
+                  <a:extLst>
+                    <a:ext uri="{A12FA001-AC4F-418D-AE19-62706E023703}">
+                      <ahyp:hlinkClr xmlns:ahyp="http://schemas.microsoft.com/office/drawing/2018/hyperlinkcolor" val="tx"/>
+                    </a:ext>
+                  </a:extLst>
+                </a:hlinkClick>
+              </a:rPr>
+              <a:t>backpropagation</a:t>
+            </a:r>
+            <a:r>
+              <a:rPr lang="en-US" b="0" i="0" u="none" dirty="0">
+                <a:solidFill>
+                  <a:schemeClr val="tx1">
+                    <a:lumMod val="50000"/>
+                    <a:lumOff val="50000"/>
+                  </a:schemeClr>
+                </a:solidFill>
+                <a:effectLst/>
+                <a:latin typeface="Roboto" panose="02000000000000000000" pitchFamily="2" charset="0"/>
+              </a:rPr>
+              <a:t> from the discriminator loss through the discriminator network.</a:t>
+            </a:r>
+          </a:p>
+          <a:p>
+            <a:endParaRPr lang="pl-PL" u="none" dirty="0">
+              <a:solidFill>
+                <a:schemeClr val="tx1">
+                  <a:lumMod val="50000"/>
+                  <a:lumOff val="50000"/>
+                </a:schemeClr>
+              </a:solidFill>
+            </a:endParaRPr>
+          </a:p>
+        </p:txBody>
+      </p:sp>
+      <p:sp>
+        <p:nvSpPr>
+          <p:cNvPr id="4" name="Slide Number Placeholder 3"/>
+          <p:cNvSpPr>
+            <a:spLocks noGrp="1"/>
+          </p:cNvSpPr>
+          <p:nvPr>
+            <p:ph type="sldNum" sz="quarter" idx="5"/>
+          </p:nvPr>
+        </p:nvSpPr>
+        <p:spPr/>
+        <p:txBody>
+          <a:bodyPr/>
+          <a:lstStyle/>
+          <a:p>
+            <a:fld id="{AAA78D00-F4AE-4F1F-8408-623756211505}" type="slidenum">
+              <a:rPr lang="pl-PL" smtClean="0"/>
+              <a:t>15</a:t>
+            </a:fld>
+            <a:endParaRPr lang="pl-PL"/>
+          </a:p>
+        </p:txBody>
+      </p:sp>
+    </p:spTree>
+    <p:extLst>
+      <p:ext uri="{BB962C8B-B14F-4D97-AF65-F5344CB8AC3E}">
+        <p14:creationId xmlns:p14="http://schemas.microsoft.com/office/powerpoint/2010/main" val="2117527306"/>
+      </p:ext>
+    </p:extLst>
+  </p:cSld>
+  <p:clrMapOvr>
+    <a:masterClrMapping/>
+  </p:clrMapOvr>
+</p:notes>
+</file>
+
+<file path=ppt/notesSlides/notesSlide3.xml><?xml version="1.0" encoding="utf-8"?>
+<p:notes xmlns:a="http://schemas.openxmlformats.org/drawingml/2006/main" xmlns:r="http://schemas.openxmlformats.org/officeDocument/2006/relationships" xmlns:p="http://schemas.openxmlformats.org/presentationml/2006/main">
+  <p:cSld>
+    <p:spTree>
+      <p:nvGrpSpPr>
+        <p:cNvPr id="1" name=""/>
+        <p:cNvGrpSpPr/>
+        <p:nvPr/>
+      </p:nvGrpSpPr>
+      <p:grpSpPr>
+        <a:xfrm>
+          <a:off x="0" y="0"/>
+          <a:ext cx="0" cy="0"/>
+          <a:chOff x="0" y="0"/>
+          <a:chExt cx="0" cy="0"/>
+        </a:xfrm>
+      </p:grpSpPr>
+      <p:sp>
+        <p:nvSpPr>
+          <p:cNvPr id="2" name="Slide Image Placeholder 1"/>
+          <p:cNvSpPr>
+            <a:spLocks noGrp="1" noRot="1" noChangeAspect="1"/>
+          </p:cNvSpPr>
+          <p:nvPr>
+            <p:ph type="sldImg"/>
+          </p:nvPr>
+        </p:nvSpPr>
+        <p:spPr/>
+      </p:sp>
+      <p:sp>
+        <p:nvSpPr>
+          <p:cNvPr id="3" name="Notes Placeholder 2"/>
+          <p:cNvSpPr>
+            <a:spLocks noGrp="1"/>
+          </p:cNvSpPr>
+          <p:nvPr>
+            <p:ph type="body" idx="1"/>
+          </p:nvPr>
+        </p:nvSpPr>
+        <p:spPr/>
+        <p:txBody>
+          <a:bodyPr/>
+          <a:lstStyle/>
+          <a:p>
+            <a:r>
+              <a:rPr lang="pl-PL" dirty="0"/>
+              <a:t>Generator training:</a:t>
+            </a:r>
+          </a:p>
+          <a:p>
+            <a:pPr algn="l">
+              <a:buFont typeface="+mj-lt"/>
+              <a:buAutoNum type="arabicPeriod"/>
+            </a:pPr>
+            <a:r>
+              <a:rPr lang="en-US" b="0" i="0" dirty="0">
+                <a:solidFill>
+                  <a:srgbClr val="202124"/>
+                </a:solidFill>
+                <a:effectLst/>
+                <a:latin typeface="Roboto" panose="02000000000000000000" pitchFamily="2" charset="0"/>
+              </a:rPr>
+              <a:t>Sample random noise.</a:t>
+            </a:r>
+          </a:p>
+          <a:p>
+            <a:pPr algn="l">
+              <a:buFont typeface="+mj-lt"/>
+              <a:buAutoNum type="arabicPeriod"/>
+            </a:pPr>
+            <a:r>
+              <a:rPr lang="en-US" b="0" i="0" dirty="0">
+                <a:solidFill>
+                  <a:srgbClr val="202124"/>
+                </a:solidFill>
+                <a:effectLst/>
+                <a:latin typeface="Roboto" panose="02000000000000000000" pitchFamily="2" charset="0"/>
+              </a:rPr>
+              <a:t>Produce generator output from sampled random noise.</a:t>
+            </a:r>
+          </a:p>
+          <a:p>
+            <a:pPr algn="l">
+              <a:buFont typeface="+mj-lt"/>
+              <a:buAutoNum type="arabicPeriod"/>
+            </a:pPr>
+            <a:r>
+              <a:rPr lang="en-US" b="0" i="0" dirty="0">
+                <a:solidFill>
+                  <a:srgbClr val="202124"/>
+                </a:solidFill>
+                <a:effectLst/>
+                <a:latin typeface="Roboto" panose="02000000000000000000" pitchFamily="2" charset="0"/>
+              </a:rPr>
+              <a:t>Get discriminator "Real" or "Fake" classification for generator output.</a:t>
+            </a:r>
+          </a:p>
+          <a:p>
+            <a:pPr algn="l">
+              <a:buFont typeface="+mj-lt"/>
+              <a:buAutoNum type="arabicPeriod"/>
+            </a:pPr>
+            <a:r>
+              <a:rPr lang="en-US" b="0" i="0" dirty="0">
+                <a:solidFill>
+                  <a:srgbClr val="202124"/>
+                </a:solidFill>
+                <a:effectLst/>
+                <a:latin typeface="Roboto" panose="02000000000000000000" pitchFamily="2" charset="0"/>
+              </a:rPr>
+              <a:t>Calculate loss from discriminator classification.</a:t>
+            </a:r>
+          </a:p>
+          <a:p>
+            <a:pPr algn="l">
+              <a:buFont typeface="+mj-lt"/>
+              <a:buAutoNum type="arabicPeriod"/>
+            </a:pPr>
+            <a:r>
+              <a:rPr lang="en-US" b="0" i="0" dirty="0">
+                <a:solidFill>
+                  <a:srgbClr val="202124"/>
+                </a:solidFill>
+                <a:effectLst/>
+                <a:latin typeface="Roboto" panose="02000000000000000000" pitchFamily="2" charset="0"/>
+              </a:rPr>
+              <a:t>Backpropagate through both the discriminator and generator to obtain gradients.</a:t>
+            </a:r>
+          </a:p>
+          <a:p>
+            <a:pPr algn="l">
+              <a:buFont typeface="+mj-lt"/>
+              <a:buAutoNum type="arabicPeriod"/>
+            </a:pPr>
+            <a:r>
+              <a:rPr lang="en-US" b="0" i="0" dirty="0">
+                <a:solidFill>
+                  <a:srgbClr val="202124"/>
+                </a:solidFill>
+                <a:effectLst/>
+                <a:latin typeface="Roboto" panose="02000000000000000000" pitchFamily="2" charset="0"/>
+              </a:rPr>
+              <a:t>Use gradients to change only the generator weights</a:t>
+            </a:r>
+          </a:p>
+          <a:p>
+            <a:endParaRPr lang="pl-PL" dirty="0"/>
+          </a:p>
+        </p:txBody>
+      </p:sp>
+      <p:sp>
+        <p:nvSpPr>
+          <p:cNvPr id="4" name="Slide Number Placeholder 3"/>
+          <p:cNvSpPr>
+            <a:spLocks noGrp="1"/>
+          </p:cNvSpPr>
+          <p:nvPr>
+            <p:ph type="sldNum" sz="quarter" idx="5"/>
+          </p:nvPr>
+        </p:nvSpPr>
+        <p:spPr/>
+        <p:txBody>
+          <a:bodyPr/>
+          <a:lstStyle/>
+          <a:p>
+            <a:fld id="{AAA78D00-F4AE-4F1F-8408-623756211505}" type="slidenum">
+              <a:rPr lang="pl-PL" smtClean="0"/>
+              <a:t>16</a:t>
+            </a:fld>
+            <a:endParaRPr lang="pl-PL"/>
+          </a:p>
+        </p:txBody>
+      </p:sp>
+    </p:spTree>
+    <p:extLst>
+      <p:ext uri="{BB962C8B-B14F-4D97-AF65-F5344CB8AC3E}">
+        <p14:creationId xmlns:p14="http://schemas.microsoft.com/office/powerpoint/2010/main" val="2420401532"/>
+      </p:ext>
+    </p:extLst>
+  </p:cSld>
+  <p:clrMapOvr>
+    <a:masterClrMapping/>
+  </p:clrMapOvr>
+</p:notes>
+</file>
+
+<file path=ppt/notesSlides/notesSlide4.xml><?xml version="1.0" encoding="utf-8"?>
+<p:notes xmlns:a="http://schemas.openxmlformats.org/drawingml/2006/main" xmlns:r="http://schemas.openxmlformats.org/officeDocument/2006/relationships" xmlns:p="http://schemas.openxmlformats.org/presentationml/2006/main">
+  <p:cSld>
+    <p:spTree>
+      <p:nvGrpSpPr>
+        <p:cNvPr id="1" name=""/>
+        <p:cNvGrpSpPr/>
+        <p:nvPr/>
+      </p:nvGrpSpPr>
+      <p:grpSpPr>
+        <a:xfrm>
+          <a:off x="0" y="0"/>
+          <a:ext cx="0" cy="0"/>
+          <a:chOff x="0" y="0"/>
+          <a:chExt cx="0" cy="0"/>
+        </a:xfrm>
+      </p:grpSpPr>
+      <p:sp>
+        <p:nvSpPr>
+          <p:cNvPr id="2" name="Slide Image Placeholder 1"/>
+          <p:cNvSpPr>
+            <a:spLocks noGrp="1" noRot="1" noChangeAspect="1"/>
+          </p:cNvSpPr>
+          <p:nvPr>
+            <p:ph type="sldImg"/>
+          </p:nvPr>
+        </p:nvSpPr>
+        <p:spPr/>
+      </p:sp>
+      <p:sp>
+        <p:nvSpPr>
+          <p:cNvPr id="3" name="Notes Placeholder 2"/>
+          <p:cNvSpPr>
+            <a:spLocks noGrp="1"/>
+          </p:cNvSpPr>
+          <p:nvPr>
+            <p:ph type="body" idx="1"/>
+          </p:nvPr>
+        </p:nvSpPr>
+        <p:spPr/>
+        <p:txBody>
+          <a:bodyPr/>
+          <a:lstStyle/>
+          <a:p>
+            <a:r>
+              <a:rPr lang="en-US" dirty="0"/>
+              <a:t>The original input image x is fed through projector E</a:t>
+            </a:r>
+            <a:r>
+              <a:rPr lang="pl-PL" dirty="0"/>
+              <a:t> (estimated inverse of G)</a:t>
+            </a:r>
+            <a:r>
+              <a:rPr lang="en-US" dirty="0"/>
+              <a:t> which outputs a latent vector ~z. This latent vector is used to generate a reconstruction image via generator</a:t>
+            </a:r>
+            <a:r>
+              <a:rPr lang="pl-PL" dirty="0"/>
+              <a:t> (already trained)</a:t>
+            </a:r>
+            <a:r>
+              <a:rPr lang="en-US" dirty="0"/>
+              <a:t> G. An anomaly score is a measure of some difference between the input image x and its reconstruction xˆ.</a:t>
+            </a:r>
+            <a:endParaRPr lang="pl-PL" dirty="0"/>
+          </a:p>
+        </p:txBody>
+      </p:sp>
+      <p:sp>
+        <p:nvSpPr>
+          <p:cNvPr id="4" name="Slide Number Placeholder 3"/>
+          <p:cNvSpPr>
+            <a:spLocks noGrp="1"/>
+          </p:cNvSpPr>
+          <p:nvPr>
+            <p:ph type="sldNum" sz="quarter" idx="5"/>
+          </p:nvPr>
+        </p:nvSpPr>
+        <p:spPr/>
+        <p:txBody>
+          <a:bodyPr/>
+          <a:lstStyle/>
+          <a:p>
+            <a:fld id="{AAA78D00-F4AE-4F1F-8408-623756211505}" type="slidenum">
+              <a:rPr lang="pl-PL" smtClean="0"/>
+              <a:t>17</a:t>
+            </a:fld>
+            <a:endParaRPr lang="pl-PL"/>
+          </a:p>
+        </p:txBody>
+      </p:sp>
+    </p:spTree>
+    <p:extLst>
+      <p:ext uri="{BB962C8B-B14F-4D97-AF65-F5344CB8AC3E}">
+        <p14:creationId xmlns:p14="http://schemas.microsoft.com/office/powerpoint/2010/main" val="1170991515"/>
+      </p:ext>
+    </p:extLst>
+  </p:cSld>
+  <p:clrMapOvr>
+    <a:masterClrMapping/>
+  </p:clrMapOvr>
+</p:notes>
+</file>
+
+<file path=ppt/notesSlides/notesSlide5.xml><?xml version="1.0" encoding="utf-8"?>
+<p:notes xmlns:a="http://schemas.openxmlformats.org/drawingml/2006/main" xmlns:r="http://schemas.openxmlformats.org/officeDocument/2006/relationships" xmlns:p="http://schemas.openxmlformats.org/presentationml/2006/main">
+  <p:cSld>
+    <p:spTree>
+      <p:nvGrpSpPr>
+        <p:cNvPr id="1" name=""/>
+        <p:cNvGrpSpPr/>
+        <p:nvPr/>
+      </p:nvGrpSpPr>
+      <p:grpSpPr>
+        <a:xfrm>
+          <a:off x="0" y="0"/>
+          <a:ext cx="0" cy="0"/>
+          <a:chOff x="0" y="0"/>
+          <a:chExt cx="0" cy="0"/>
+        </a:xfrm>
+      </p:grpSpPr>
+      <p:sp>
+        <p:nvSpPr>
+          <p:cNvPr id="2" name="Slide Image Placeholder 1"/>
+          <p:cNvSpPr>
+            <a:spLocks noGrp="1" noRot="1" noChangeAspect="1"/>
+          </p:cNvSpPr>
+          <p:nvPr>
+            <p:ph type="sldImg"/>
+          </p:nvPr>
+        </p:nvSpPr>
+        <p:spPr/>
+      </p:sp>
+      <p:sp>
+        <p:nvSpPr>
+          <p:cNvPr id="3" name="Notes Placeholder 2"/>
+          <p:cNvSpPr>
+            <a:spLocks noGrp="1"/>
+          </p:cNvSpPr>
+          <p:nvPr>
+            <p:ph type="body" idx="1"/>
+          </p:nvPr>
+        </p:nvSpPr>
+        <p:spPr/>
+        <p:txBody>
+          <a:bodyPr/>
+          <a:lstStyle/>
+          <a:p>
+            <a:r>
+              <a:rPr lang="en-US" dirty="0"/>
+              <a:t>While a supervised signal is provided to the discriminator</a:t>
+            </a:r>
+          </a:p>
+          <a:p>
+            <a:r>
+              <a:rPr lang="en-US" dirty="0"/>
+              <a:t>for training the real/fake classification task, the real/fake classification is not the primary task and the model is not shown any anomalous examples. Hence, no supervision is given to</a:t>
+            </a:r>
+          </a:p>
+          <a:p>
+            <a:r>
+              <a:rPr lang="en-US" dirty="0"/>
+              <a:t>the GAN framework regarding how to identify abnormalities,</a:t>
+            </a:r>
+          </a:p>
+          <a:p>
+            <a:r>
+              <a:rPr lang="en-US" dirty="0"/>
+              <a:t>making it unsupervised</a:t>
+            </a:r>
+            <a:endParaRPr lang="pl-PL" dirty="0"/>
+          </a:p>
+        </p:txBody>
+      </p:sp>
+      <p:sp>
+        <p:nvSpPr>
+          <p:cNvPr id="4" name="Slide Number Placeholder 3"/>
+          <p:cNvSpPr>
+            <a:spLocks noGrp="1"/>
+          </p:cNvSpPr>
+          <p:nvPr>
+            <p:ph type="sldNum" sz="quarter" idx="5"/>
+          </p:nvPr>
+        </p:nvSpPr>
+        <p:spPr/>
+        <p:txBody>
+          <a:bodyPr/>
+          <a:lstStyle/>
+          <a:p>
+            <a:fld id="{AAA78D00-F4AE-4F1F-8408-623756211505}" type="slidenum">
+              <a:rPr lang="pl-PL" smtClean="0"/>
+              <a:t>18</a:t>
+            </a:fld>
+            <a:endParaRPr lang="pl-PL"/>
+          </a:p>
+        </p:txBody>
+      </p:sp>
+    </p:spTree>
+    <p:extLst>
+      <p:ext uri="{BB962C8B-B14F-4D97-AF65-F5344CB8AC3E}">
+        <p14:creationId xmlns:p14="http://schemas.microsoft.com/office/powerpoint/2010/main" val="790732775"/>
+      </p:ext>
+    </p:extLst>
+  </p:cSld>
+  <p:clrMapOvr>
+    <a:masterClrMapping/>
+  </p:clrMapOvr>
+</p:notes>
+</file>
+
 <file path=ppt/slideLayouts/slideLayout1.xml><?xml version="1.0" encoding="utf-8"?>
 <p:sldLayout xmlns:a="http://schemas.openxmlformats.org/drawingml/2006/main" xmlns:r="http://schemas.openxmlformats.org/officeDocument/2006/relationships" xmlns:p="http://schemas.openxmlformats.org/presentationml/2006/main" type="title" preserve="1">
   <p:cSld name="Slajd tytułowy">
@@ -3490,7 +4592,7 @@
           <a:p>
             <a:fld id="{31FD92DB-AA04-416F-A92E-04ABA335510E}" type="datetimeFigureOut">
               <a:rPr lang="pl-PL" smtClean="0"/>
-              <a:t>01.04.2023</a:t>
+              <a:t>02.04.2023</a:t>
             </a:fld>
             <a:endParaRPr lang="pl-PL"/>
           </a:p>
@@ -3688,7 +4790,7 @@
           <a:p>
             <a:fld id="{31FD92DB-AA04-416F-A92E-04ABA335510E}" type="datetimeFigureOut">
               <a:rPr lang="pl-PL" smtClean="0"/>
-              <a:t>01.04.2023</a:t>
+              <a:t>02.04.2023</a:t>
             </a:fld>
             <a:endParaRPr lang="pl-PL"/>
           </a:p>
@@ -3896,7 +4998,7 @@
           <a:p>
             <a:fld id="{31FD92DB-AA04-416F-A92E-04ABA335510E}" type="datetimeFigureOut">
               <a:rPr lang="pl-PL" smtClean="0"/>
-              <a:t>01.04.2023</a:t>
+              <a:t>02.04.2023</a:t>
             </a:fld>
             <a:endParaRPr lang="pl-PL"/>
           </a:p>
@@ -4094,7 +5196,7 @@
           <a:p>
             <a:fld id="{31FD92DB-AA04-416F-A92E-04ABA335510E}" type="datetimeFigureOut">
               <a:rPr lang="pl-PL" smtClean="0"/>
-              <a:t>01.04.2023</a:t>
+              <a:t>02.04.2023</a:t>
             </a:fld>
             <a:endParaRPr lang="pl-PL"/>
           </a:p>
@@ -4369,7 +5471,7 @@
           <a:p>
             <a:fld id="{31FD92DB-AA04-416F-A92E-04ABA335510E}" type="datetimeFigureOut">
               <a:rPr lang="pl-PL" smtClean="0"/>
-              <a:t>01.04.2023</a:t>
+              <a:t>02.04.2023</a:t>
             </a:fld>
             <a:endParaRPr lang="pl-PL"/>
           </a:p>
@@ -4634,7 +5736,7 @@
           <a:p>
             <a:fld id="{31FD92DB-AA04-416F-A92E-04ABA335510E}" type="datetimeFigureOut">
               <a:rPr lang="pl-PL" smtClean="0"/>
-              <a:t>01.04.2023</a:t>
+              <a:t>02.04.2023</a:t>
             </a:fld>
             <a:endParaRPr lang="pl-PL"/>
           </a:p>
@@ -5046,7 +6148,7 @@
           <a:p>
             <a:fld id="{31FD92DB-AA04-416F-A92E-04ABA335510E}" type="datetimeFigureOut">
               <a:rPr lang="pl-PL" smtClean="0"/>
-              <a:t>01.04.2023</a:t>
+              <a:t>02.04.2023</a:t>
             </a:fld>
             <a:endParaRPr lang="pl-PL"/>
           </a:p>
@@ -5187,7 +6289,7 @@
           <a:p>
             <a:fld id="{31FD92DB-AA04-416F-A92E-04ABA335510E}" type="datetimeFigureOut">
               <a:rPr lang="pl-PL" smtClean="0"/>
-              <a:t>01.04.2023</a:t>
+              <a:t>02.04.2023</a:t>
             </a:fld>
             <a:endParaRPr lang="pl-PL"/>
           </a:p>
@@ -5300,7 +6402,7 @@
           <a:p>
             <a:fld id="{31FD92DB-AA04-416F-A92E-04ABA335510E}" type="datetimeFigureOut">
               <a:rPr lang="pl-PL" smtClean="0"/>
-              <a:t>01.04.2023</a:t>
+              <a:t>02.04.2023</a:t>
             </a:fld>
             <a:endParaRPr lang="pl-PL"/>
           </a:p>
@@ -5611,7 +6713,7 @@
           <a:p>
             <a:fld id="{31FD92DB-AA04-416F-A92E-04ABA335510E}" type="datetimeFigureOut">
               <a:rPr lang="pl-PL" smtClean="0"/>
-              <a:t>01.04.2023</a:t>
+              <a:t>02.04.2023</a:t>
             </a:fld>
             <a:endParaRPr lang="pl-PL"/>
           </a:p>
@@ -5899,7 +7001,7 @@
           <a:p>
             <a:fld id="{31FD92DB-AA04-416F-A92E-04ABA335510E}" type="datetimeFigureOut">
               <a:rPr lang="pl-PL" smtClean="0"/>
-              <a:t>01.04.2023</a:t>
+              <a:t>02.04.2023</a:t>
             </a:fld>
             <a:endParaRPr lang="pl-PL"/>
           </a:p>
@@ -6140,7 +7242,7 @@
           <a:p>
             <a:fld id="{31FD92DB-AA04-416F-A92E-04ABA335510E}" type="datetimeFigureOut">
               <a:rPr lang="pl-PL" smtClean="0"/>
-              <a:t>01.04.2023</a:t>
+              <a:t>02.04.2023</a:t>
             </a:fld>
             <a:endParaRPr lang="pl-PL"/>
           </a:p>
@@ -8041,6 +9143,787 @@
 </p:sld>
 </file>
 
+<file path=ppt/slides/slide13.xml><?xml version="1.0" encoding="utf-8"?>
+<p:sld xmlns:a="http://schemas.openxmlformats.org/drawingml/2006/main" xmlns:r="http://schemas.openxmlformats.org/officeDocument/2006/relationships" xmlns:p="http://schemas.openxmlformats.org/presentationml/2006/main">
+  <p:cSld>
+    <p:spTree>
+      <p:nvGrpSpPr>
+        <p:cNvPr id="1" name=""/>
+        <p:cNvGrpSpPr/>
+        <p:nvPr/>
+      </p:nvGrpSpPr>
+      <p:grpSpPr>
+        <a:xfrm>
+          <a:off x="0" y="0"/>
+          <a:ext cx="0" cy="0"/>
+          <a:chOff x="0" y="0"/>
+          <a:chExt cx="0" cy="0"/>
+        </a:xfrm>
+      </p:grpSpPr>
+      <p:sp>
+        <p:nvSpPr>
+          <p:cNvPr id="2" name="Title 1">
+            <a:extLst>
+              <a:ext uri="{FF2B5EF4-FFF2-40B4-BE49-F238E27FC236}">
+                <a16:creationId xmlns:a16="http://schemas.microsoft.com/office/drawing/2014/main" id="{069746E1-6F7F-C565-45D3-9FFB5874159C}"/>
+              </a:ext>
+            </a:extLst>
+          </p:cNvPr>
+          <p:cNvSpPr>
+            <a:spLocks noGrp="1"/>
+          </p:cNvSpPr>
+          <p:nvPr>
+            <p:ph type="title"/>
+          </p:nvPr>
+        </p:nvSpPr>
+        <p:spPr>
+          <a:xfrm>
+            <a:off x="838200" y="2766218"/>
+            <a:ext cx="10515600" cy="1325563"/>
+          </a:xfrm>
+        </p:spPr>
+        <p:txBody>
+          <a:bodyPr/>
+          <a:lstStyle/>
+          <a:p>
+            <a:pPr algn="ctr"/>
+            <a:r>
+              <a:rPr lang="pl-PL" dirty="0"/>
+              <a:t>...</a:t>
+            </a:r>
+          </a:p>
+        </p:txBody>
+      </p:sp>
+    </p:spTree>
+    <p:extLst>
+      <p:ext uri="{BB962C8B-B14F-4D97-AF65-F5344CB8AC3E}">
+        <p14:creationId xmlns:p14="http://schemas.microsoft.com/office/powerpoint/2010/main" val="497819114"/>
+      </p:ext>
+    </p:extLst>
+  </p:cSld>
+  <p:clrMapOvr>
+    <a:masterClrMapping/>
+  </p:clrMapOvr>
+</p:sld>
+</file>
+
+<file path=ppt/slides/slide14.xml><?xml version="1.0" encoding="utf-8"?>
+<p:sld xmlns:a="http://schemas.openxmlformats.org/drawingml/2006/main" xmlns:r="http://schemas.openxmlformats.org/officeDocument/2006/relationships" xmlns:p="http://schemas.openxmlformats.org/presentationml/2006/main">
+  <p:cSld>
+    <p:spTree>
+      <p:nvGrpSpPr>
+        <p:cNvPr id="1" name=""/>
+        <p:cNvGrpSpPr/>
+        <p:nvPr/>
+      </p:nvGrpSpPr>
+      <p:grpSpPr>
+        <a:xfrm>
+          <a:off x="0" y="0"/>
+          <a:ext cx="0" cy="0"/>
+          <a:chOff x="0" y="0"/>
+          <a:chExt cx="0" cy="0"/>
+        </a:xfrm>
+      </p:grpSpPr>
+      <p:sp>
+        <p:nvSpPr>
+          <p:cNvPr id="2" name="Title 1">
+            <a:extLst>
+              <a:ext uri="{FF2B5EF4-FFF2-40B4-BE49-F238E27FC236}">
+                <a16:creationId xmlns:a16="http://schemas.microsoft.com/office/drawing/2014/main" id="{D7E8DF65-0B4F-D2DB-7FD3-4E858F5DECA8}"/>
+              </a:ext>
+            </a:extLst>
+          </p:cNvPr>
+          <p:cNvSpPr>
+            <a:spLocks noGrp="1"/>
+          </p:cNvSpPr>
+          <p:nvPr>
+            <p:ph type="title"/>
+          </p:nvPr>
+        </p:nvSpPr>
+        <p:spPr/>
+        <p:txBody>
+          <a:bodyPr/>
+          <a:lstStyle/>
+          <a:p>
+            <a:r>
+              <a:rPr lang="pl-PL" dirty="0"/>
+              <a:t>About GANs</a:t>
+            </a:r>
+          </a:p>
+        </p:txBody>
+      </p:sp>
+      <p:sp>
+        <p:nvSpPr>
+          <p:cNvPr id="3" name="Content Placeholder 2">
+            <a:extLst>
+              <a:ext uri="{FF2B5EF4-FFF2-40B4-BE49-F238E27FC236}">
+                <a16:creationId xmlns:a16="http://schemas.microsoft.com/office/drawing/2014/main" id="{1EEAD32D-EC48-2F70-DD31-F1B7D64C7F2B}"/>
+              </a:ext>
+            </a:extLst>
+          </p:cNvPr>
+          <p:cNvSpPr>
+            <a:spLocks noGrp="1"/>
+          </p:cNvSpPr>
+          <p:nvPr>
+            <p:ph idx="1"/>
+          </p:nvPr>
+        </p:nvSpPr>
+        <p:spPr/>
+        <p:txBody>
+          <a:bodyPr/>
+          <a:lstStyle/>
+          <a:p>
+            <a:r>
+              <a:rPr lang="pl-PL" dirty="0"/>
+              <a:t>GAN - </a:t>
+            </a:r>
+            <a:r>
+              <a:rPr lang="pl-PL" b="0" i="0" dirty="0">
+                <a:solidFill>
+                  <a:srgbClr val="202124"/>
+                </a:solidFill>
+                <a:effectLst/>
+              </a:rPr>
+              <a:t>generative adversarial network</a:t>
+            </a:r>
+            <a:endParaRPr lang="pl-PL" dirty="0"/>
+          </a:p>
+        </p:txBody>
+      </p:sp>
+      <p:pic>
+        <p:nvPicPr>
+          <p:cNvPr id="5" name="Picture 4">
+            <a:extLst>
+              <a:ext uri="{FF2B5EF4-FFF2-40B4-BE49-F238E27FC236}">
+                <a16:creationId xmlns:a16="http://schemas.microsoft.com/office/drawing/2014/main" id="{D295C68F-C0D0-75D7-F1C5-4C6FE4462250}"/>
+              </a:ext>
+            </a:extLst>
+          </p:cNvPr>
+          <p:cNvPicPr>
+            <a:picLocks noChangeAspect="1"/>
+          </p:cNvPicPr>
+          <p:nvPr/>
+        </p:nvPicPr>
+        <p:blipFill>
+          <a:blip r:embed="rId3"/>
+          <a:stretch>
+            <a:fillRect/>
+          </a:stretch>
+        </p:blipFill>
+        <p:spPr>
+          <a:xfrm>
+            <a:off x="1654628" y="2492889"/>
+            <a:ext cx="8547879" cy="3684074"/>
+          </a:xfrm>
+          <a:prstGeom prst="rect">
+            <a:avLst/>
+          </a:prstGeom>
+        </p:spPr>
+      </p:pic>
+    </p:spTree>
+    <p:extLst>
+      <p:ext uri="{BB962C8B-B14F-4D97-AF65-F5344CB8AC3E}">
+        <p14:creationId xmlns:p14="http://schemas.microsoft.com/office/powerpoint/2010/main" val="3301625869"/>
+      </p:ext>
+    </p:extLst>
+  </p:cSld>
+  <p:clrMapOvr>
+    <a:masterClrMapping/>
+  </p:clrMapOvr>
+</p:sld>
+</file>
+
+<file path=ppt/slides/slide15.xml><?xml version="1.0" encoding="utf-8"?>
+<p:sld xmlns:a="http://schemas.openxmlformats.org/drawingml/2006/main" xmlns:r="http://schemas.openxmlformats.org/officeDocument/2006/relationships" xmlns:p="http://schemas.openxmlformats.org/presentationml/2006/main">
+  <p:cSld>
+    <p:spTree>
+      <p:nvGrpSpPr>
+        <p:cNvPr id="1" name=""/>
+        <p:cNvGrpSpPr/>
+        <p:nvPr/>
+      </p:nvGrpSpPr>
+      <p:grpSpPr>
+        <a:xfrm>
+          <a:off x="0" y="0"/>
+          <a:ext cx="0" cy="0"/>
+          <a:chOff x="0" y="0"/>
+          <a:chExt cx="0" cy="0"/>
+        </a:xfrm>
+      </p:grpSpPr>
+      <p:sp>
+        <p:nvSpPr>
+          <p:cNvPr id="2" name="Title 1">
+            <a:extLst>
+              <a:ext uri="{FF2B5EF4-FFF2-40B4-BE49-F238E27FC236}">
+                <a16:creationId xmlns:a16="http://schemas.microsoft.com/office/drawing/2014/main" id="{DB3E664F-B8A1-966C-6C42-1BA039E39C09}"/>
+              </a:ext>
+            </a:extLst>
+          </p:cNvPr>
+          <p:cNvSpPr>
+            <a:spLocks noGrp="1"/>
+          </p:cNvSpPr>
+          <p:nvPr>
+            <p:ph type="title"/>
+          </p:nvPr>
+        </p:nvSpPr>
+        <p:spPr/>
+        <p:txBody>
+          <a:bodyPr/>
+          <a:lstStyle/>
+          <a:p>
+            <a:r>
+              <a:rPr lang="pl-PL" dirty="0"/>
+              <a:t>Discriminator</a:t>
+            </a:r>
+          </a:p>
+        </p:txBody>
+      </p:sp>
+      <p:pic>
+        <p:nvPicPr>
+          <p:cNvPr id="5" name="Picture 4">
+            <a:extLst>
+              <a:ext uri="{FF2B5EF4-FFF2-40B4-BE49-F238E27FC236}">
+                <a16:creationId xmlns:a16="http://schemas.microsoft.com/office/drawing/2014/main" id="{1A42D665-1070-CF9A-7120-204867644360}"/>
+              </a:ext>
+            </a:extLst>
+          </p:cNvPr>
+          <p:cNvPicPr>
+            <a:picLocks noChangeAspect="1"/>
+          </p:cNvPicPr>
+          <p:nvPr/>
+        </p:nvPicPr>
+        <p:blipFill>
+          <a:blip r:embed="rId3"/>
+          <a:stretch>
+            <a:fillRect/>
+          </a:stretch>
+        </p:blipFill>
+        <p:spPr>
+          <a:xfrm>
+            <a:off x="1282260" y="2482272"/>
+            <a:ext cx="8732598" cy="4010603"/>
+          </a:xfrm>
+          <a:prstGeom prst="rect">
+            <a:avLst/>
+          </a:prstGeom>
+        </p:spPr>
+      </p:pic>
+      <p:sp>
+        <p:nvSpPr>
+          <p:cNvPr id="3" name="Content Placeholder 2">
+            <a:extLst>
+              <a:ext uri="{FF2B5EF4-FFF2-40B4-BE49-F238E27FC236}">
+                <a16:creationId xmlns:a16="http://schemas.microsoft.com/office/drawing/2014/main" id="{720CB811-9A3C-3D03-4830-F8C6372F298D}"/>
+              </a:ext>
+            </a:extLst>
+          </p:cNvPr>
+          <p:cNvSpPr>
+            <a:spLocks noGrp="1"/>
+          </p:cNvSpPr>
+          <p:nvPr>
+            <p:ph idx="1"/>
+          </p:nvPr>
+        </p:nvSpPr>
+        <p:spPr>
+          <a:xfrm>
+            <a:off x="838200" y="1545356"/>
+            <a:ext cx="10515600" cy="937895"/>
+          </a:xfrm>
+        </p:spPr>
+        <p:txBody>
+          <a:bodyPr>
+            <a:normAutofit lnSpcReduction="10000"/>
+          </a:bodyPr>
+          <a:lstStyle/>
+          <a:p>
+            <a:r>
+              <a:rPr lang="pl-PL" dirty="0"/>
+              <a:t>Classifier – fake or real</a:t>
+            </a:r>
+          </a:p>
+          <a:p>
+            <a:r>
+              <a:rPr lang="pl-PL" b="0" i="0" dirty="0">
+                <a:solidFill>
+                  <a:srgbClr val="202124"/>
+                </a:solidFill>
+                <a:effectLst/>
+              </a:rPr>
+              <a:t>Penalizes</a:t>
+            </a:r>
+            <a:r>
+              <a:rPr lang="en-US" b="0" i="0" dirty="0">
+                <a:solidFill>
+                  <a:srgbClr val="202124"/>
+                </a:solidFill>
+                <a:effectLst/>
+              </a:rPr>
+              <a:t> the generator for producing implausible results.</a:t>
+            </a:r>
+            <a:endParaRPr lang="pl-PL" dirty="0"/>
+          </a:p>
+        </p:txBody>
+      </p:sp>
+    </p:spTree>
+    <p:extLst>
+      <p:ext uri="{BB962C8B-B14F-4D97-AF65-F5344CB8AC3E}">
+        <p14:creationId xmlns:p14="http://schemas.microsoft.com/office/powerpoint/2010/main" val="2573161300"/>
+      </p:ext>
+    </p:extLst>
+  </p:cSld>
+  <p:clrMapOvr>
+    <a:masterClrMapping/>
+  </p:clrMapOvr>
+</p:sld>
+</file>
+
+<file path=ppt/slides/slide16.xml><?xml version="1.0" encoding="utf-8"?>
+<p:sld xmlns:a="http://schemas.openxmlformats.org/drawingml/2006/main" xmlns:r="http://schemas.openxmlformats.org/officeDocument/2006/relationships" xmlns:p="http://schemas.openxmlformats.org/presentationml/2006/main">
+  <p:cSld>
+    <p:spTree>
+      <p:nvGrpSpPr>
+        <p:cNvPr id="1" name=""/>
+        <p:cNvGrpSpPr/>
+        <p:nvPr/>
+      </p:nvGrpSpPr>
+      <p:grpSpPr>
+        <a:xfrm>
+          <a:off x="0" y="0"/>
+          <a:ext cx="0" cy="0"/>
+          <a:chOff x="0" y="0"/>
+          <a:chExt cx="0" cy="0"/>
+        </a:xfrm>
+      </p:grpSpPr>
+      <p:sp>
+        <p:nvSpPr>
+          <p:cNvPr id="2" name="Title 1">
+            <a:extLst>
+              <a:ext uri="{FF2B5EF4-FFF2-40B4-BE49-F238E27FC236}">
+                <a16:creationId xmlns:a16="http://schemas.microsoft.com/office/drawing/2014/main" id="{A7BC1670-960B-7A91-3B59-FAF897CCA27E}"/>
+              </a:ext>
+            </a:extLst>
+          </p:cNvPr>
+          <p:cNvSpPr>
+            <a:spLocks noGrp="1"/>
+          </p:cNvSpPr>
+          <p:nvPr>
+            <p:ph type="title"/>
+          </p:nvPr>
+        </p:nvSpPr>
+        <p:spPr/>
+        <p:txBody>
+          <a:bodyPr/>
+          <a:lstStyle/>
+          <a:p>
+            <a:r>
+              <a:rPr lang="pl-PL" dirty="0"/>
+              <a:t>Generator</a:t>
+            </a:r>
+          </a:p>
+        </p:txBody>
+      </p:sp>
+      <p:sp>
+        <p:nvSpPr>
+          <p:cNvPr id="3" name="Content Placeholder 2">
+            <a:extLst>
+              <a:ext uri="{FF2B5EF4-FFF2-40B4-BE49-F238E27FC236}">
+                <a16:creationId xmlns:a16="http://schemas.microsoft.com/office/drawing/2014/main" id="{3E5EA0C4-09EA-38BB-00E8-2ACBB4B3F95B}"/>
+              </a:ext>
+            </a:extLst>
+          </p:cNvPr>
+          <p:cNvSpPr>
+            <a:spLocks noGrp="1"/>
+          </p:cNvSpPr>
+          <p:nvPr>
+            <p:ph idx="1"/>
+          </p:nvPr>
+        </p:nvSpPr>
+        <p:spPr>
+          <a:xfrm>
+            <a:off x="838200" y="1619447"/>
+            <a:ext cx="10515600" cy="1325563"/>
+          </a:xfrm>
+        </p:spPr>
+        <p:txBody>
+          <a:bodyPr/>
+          <a:lstStyle/>
+          <a:p>
+            <a:r>
+              <a:rPr lang="pl-PL" dirty="0">
+                <a:solidFill>
+                  <a:srgbClr val="202124"/>
+                </a:solidFill>
+              </a:rPr>
+              <a:t>L</a:t>
+            </a:r>
+            <a:r>
+              <a:rPr lang="en-US" b="0" i="0" dirty="0">
+                <a:solidFill>
+                  <a:srgbClr val="202124"/>
+                </a:solidFill>
+                <a:effectLst/>
+              </a:rPr>
+              <a:t>earns to create fake data</a:t>
+            </a:r>
+            <a:endParaRPr lang="pl-PL" b="0" i="0" dirty="0">
+              <a:solidFill>
+                <a:srgbClr val="202124"/>
+              </a:solidFill>
+              <a:effectLst/>
+            </a:endParaRPr>
+          </a:p>
+          <a:p>
+            <a:r>
+              <a:rPr lang="pl-PL" dirty="0">
+                <a:solidFill>
+                  <a:srgbClr val="202124"/>
+                </a:solidFill>
+              </a:rPr>
+              <a:t>Tries </a:t>
+            </a:r>
+            <a:r>
+              <a:rPr lang="en-US" b="0" i="0" dirty="0">
+                <a:solidFill>
+                  <a:srgbClr val="202124"/>
+                </a:solidFill>
+                <a:effectLst/>
+              </a:rPr>
+              <a:t>to make the discriminator classify its output as real.</a:t>
+            </a:r>
+            <a:endParaRPr lang="pl-PL" dirty="0"/>
+          </a:p>
+        </p:txBody>
+      </p:sp>
+      <p:pic>
+        <p:nvPicPr>
+          <p:cNvPr id="5" name="Picture 4">
+            <a:extLst>
+              <a:ext uri="{FF2B5EF4-FFF2-40B4-BE49-F238E27FC236}">
+                <a16:creationId xmlns:a16="http://schemas.microsoft.com/office/drawing/2014/main" id="{8E2E369D-B291-8935-C1EC-4D74B08EFB0A}"/>
+              </a:ext>
+            </a:extLst>
+          </p:cNvPr>
+          <p:cNvPicPr>
+            <a:picLocks noChangeAspect="1"/>
+          </p:cNvPicPr>
+          <p:nvPr/>
+        </p:nvPicPr>
+        <p:blipFill>
+          <a:blip r:embed="rId3"/>
+          <a:stretch>
+            <a:fillRect/>
+          </a:stretch>
+        </p:blipFill>
+        <p:spPr>
+          <a:xfrm>
+            <a:off x="1433522" y="2568028"/>
+            <a:ext cx="8929678" cy="4044619"/>
+          </a:xfrm>
+          <a:prstGeom prst="rect">
+            <a:avLst/>
+          </a:prstGeom>
+        </p:spPr>
+      </p:pic>
+    </p:spTree>
+    <p:extLst>
+      <p:ext uri="{BB962C8B-B14F-4D97-AF65-F5344CB8AC3E}">
+        <p14:creationId xmlns:p14="http://schemas.microsoft.com/office/powerpoint/2010/main" val="639344628"/>
+      </p:ext>
+    </p:extLst>
+  </p:cSld>
+  <p:clrMapOvr>
+    <a:masterClrMapping/>
+  </p:clrMapOvr>
+</p:sld>
+</file>
+
+<file path=ppt/slides/slide17.xml><?xml version="1.0" encoding="utf-8"?>
+<p:sld xmlns:a="http://schemas.openxmlformats.org/drawingml/2006/main" xmlns:r="http://schemas.openxmlformats.org/officeDocument/2006/relationships" xmlns:p="http://schemas.openxmlformats.org/presentationml/2006/main">
+  <p:cSld>
+    <p:spTree>
+      <p:nvGrpSpPr>
+        <p:cNvPr id="1" name=""/>
+        <p:cNvGrpSpPr/>
+        <p:nvPr/>
+      </p:nvGrpSpPr>
+      <p:grpSpPr>
+        <a:xfrm>
+          <a:off x="0" y="0"/>
+          <a:ext cx="0" cy="0"/>
+          <a:chOff x="0" y="0"/>
+          <a:chExt cx="0" cy="0"/>
+        </a:xfrm>
+      </p:grpSpPr>
+      <p:sp>
+        <p:nvSpPr>
+          <p:cNvPr id="2" name="Title 1">
+            <a:extLst>
+              <a:ext uri="{FF2B5EF4-FFF2-40B4-BE49-F238E27FC236}">
+                <a16:creationId xmlns:a16="http://schemas.microsoft.com/office/drawing/2014/main" id="{91D04D25-139A-9D93-E2DB-941CFE942B2B}"/>
+              </a:ext>
+            </a:extLst>
+          </p:cNvPr>
+          <p:cNvSpPr>
+            <a:spLocks noGrp="1"/>
+          </p:cNvSpPr>
+          <p:nvPr>
+            <p:ph type="title"/>
+          </p:nvPr>
+        </p:nvSpPr>
+        <p:spPr/>
+        <p:txBody>
+          <a:bodyPr/>
+          <a:lstStyle/>
+          <a:p>
+            <a:r>
+              <a:rPr lang="pl-PL" dirty="0"/>
+              <a:t>GAN-based unsupervised anomaly detection</a:t>
+            </a:r>
+          </a:p>
+        </p:txBody>
+      </p:sp>
+      <p:pic>
+        <p:nvPicPr>
+          <p:cNvPr id="1026" name="Picture 2">
+            <a:extLst>
+              <a:ext uri="{FF2B5EF4-FFF2-40B4-BE49-F238E27FC236}">
+                <a16:creationId xmlns:a16="http://schemas.microsoft.com/office/drawing/2014/main" id="{6B623BF1-D91B-2D23-C2A0-C3CB65586C26}"/>
+              </a:ext>
+            </a:extLst>
+          </p:cNvPr>
+          <p:cNvPicPr>
+            <a:picLocks noGrp="1" noChangeAspect="1" noChangeArrowheads="1"/>
+          </p:cNvPicPr>
+          <p:nvPr>
+            <p:ph idx="1"/>
+          </p:nvPr>
+        </p:nvPicPr>
+        <p:blipFill>
+          <a:blip r:embed="rId3">
+            <a:extLst>
+              <a:ext uri="{28A0092B-C50C-407E-A947-70E740481C1C}">
+                <a14:useLocalDpi xmlns:a14="http://schemas.microsoft.com/office/drawing/2010/main" val="0"/>
+              </a:ext>
+            </a:extLst>
+          </a:blip>
+          <a:srcRect/>
+          <a:stretch>
+            <a:fillRect/>
+          </a:stretch>
+        </p:blipFill>
+        <p:spPr bwMode="auto">
+          <a:xfrm>
+            <a:off x="1514918" y="1885950"/>
+            <a:ext cx="8704915" cy="4019550"/>
+          </a:xfrm>
+          <a:prstGeom prst="rect">
+            <a:avLst/>
+          </a:prstGeom>
+          <a:noFill/>
+          <a:extLst>
+            <a:ext uri="{909E8E84-426E-40DD-AFC4-6F175D3DCCD1}">
+              <a14:hiddenFill xmlns:a14="http://schemas.microsoft.com/office/drawing/2010/main">
+                <a:solidFill>
+                  <a:srgbClr val="FFFFFF"/>
+                </a:solidFill>
+              </a14:hiddenFill>
+            </a:ext>
+          </a:extLst>
+        </p:spPr>
+      </p:pic>
+    </p:spTree>
+    <p:extLst>
+      <p:ext uri="{BB962C8B-B14F-4D97-AF65-F5344CB8AC3E}">
+        <p14:creationId xmlns:p14="http://schemas.microsoft.com/office/powerpoint/2010/main" val="1041328485"/>
+      </p:ext>
+    </p:extLst>
+  </p:cSld>
+  <p:clrMapOvr>
+    <a:masterClrMapping/>
+  </p:clrMapOvr>
+</p:sld>
+</file>
+
+<file path=ppt/slides/slide18.xml><?xml version="1.0" encoding="utf-8"?>
+<p:sld xmlns:a="http://schemas.openxmlformats.org/drawingml/2006/main" xmlns:r="http://schemas.openxmlformats.org/officeDocument/2006/relationships" xmlns:p="http://schemas.openxmlformats.org/presentationml/2006/main">
+  <p:cSld>
+    <p:spTree>
+      <p:nvGrpSpPr>
+        <p:cNvPr id="1" name=""/>
+        <p:cNvGrpSpPr/>
+        <p:nvPr/>
+      </p:nvGrpSpPr>
+      <p:grpSpPr>
+        <a:xfrm>
+          <a:off x="0" y="0"/>
+          <a:ext cx="0" cy="0"/>
+          <a:chOff x="0" y="0"/>
+          <a:chExt cx="0" cy="0"/>
+        </a:xfrm>
+      </p:grpSpPr>
+      <p:sp>
+        <p:nvSpPr>
+          <p:cNvPr id="2" name="Title 1">
+            <a:extLst>
+              <a:ext uri="{FF2B5EF4-FFF2-40B4-BE49-F238E27FC236}">
+                <a16:creationId xmlns:a16="http://schemas.microsoft.com/office/drawing/2014/main" id="{12DE2109-5A9D-B852-2F34-6A212AA5612E}"/>
+              </a:ext>
+            </a:extLst>
+          </p:cNvPr>
+          <p:cNvSpPr>
+            <a:spLocks noGrp="1"/>
+          </p:cNvSpPr>
+          <p:nvPr>
+            <p:ph type="title"/>
+          </p:nvPr>
+        </p:nvSpPr>
+        <p:spPr/>
+        <p:txBody>
+          <a:bodyPr/>
+          <a:lstStyle/>
+          <a:p>
+            <a:r>
+              <a:rPr lang="pl-PL" dirty="0"/>
+              <a:t>Whole process</a:t>
+            </a:r>
+          </a:p>
+        </p:txBody>
+      </p:sp>
+      <p:sp>
+        <p:nvSpPr>
+          <p:cNvPr id="5" name="AutoShape 4">
+            <a:extLst>
+              <a:ext uri="{FF2B5EF4-FFF2-40B4-BE49-F238E27FC236}">
+                <a16:creationId xmlns:a16="http://schemas.microsoft.com/office/drawing/2014/main" id="{E372FFD7-DC8A-CECB-AF3F-F0424A7FC634}"/>
+              </a:ext>
+            </a:extLst>
+          </p:cNvPr>
+          <p:cNvSpPr>
+            <a:spLocks noChangeAspect="1" noChangeArrowheads="1"/>
+          </p:cNvSpPr>
+          <p:nvPr/>
+        </p:nvSpPr>
+        <p:spPr bwMode="auto">
+          <a:xfrm>
+            <a:off x="5943600" y="3276600"/>
+            <a:ext cx="304800" cy="304800"/>
+          </a:xfrm>
+          <a:prstGeom prst="rect">
+            <a:avLst/>
+          </a:prstGeom>
+          <a:noFill/>
+          <a:extLst>
+            <a:ext uri="{909E8E84-426E-40DD-AFC4-6F175D3DCCD1}">
+              <a14:hiddenFill xmlns:a14="http://schemas.microsoft.com/office/drawing/2010/main">
+                <a:solidFill>
+                  <a:srgbClr val="FFFFFF"/>
+                </a:solidFill>
+              </a14:hiddenFill>
+            </a:ext>
+          </a:extLst>
+        </p:spPr>
+        <p:txBody>
+          <a:bodyPr vert="horz" wrap="square" lIns="91440" tIns="45720" rIns="91440" bIns="45720" numCol="1" anchor="t" anchorCtr="0" compatLnSpc="1">
+            <a:prstTxWarp prst="textNoShape">
+              <a:avLst/>
+            </a:prstTxWarp>
+          </a:bodyPr>
+          <a:lstStyle/>
+          <a:p>
+            <a:endParaRPr lang="pl-PL"/>
+          </a:p>
+        </p:txBody>
+      </p:sp>
+      <p:pic>
+        <p:nvPicPr>
+          <p:cNvPr id="8" name="Picture 7">
+            <a:extLst>
+              <a:ext uri="{FF2B5EF4-FFF2-40B4-BE49-F238E27FC236}">
+                <a16:creationId xmlns:a16="http://schemas.microsoft.com/office/drawing/2014/main" id="{97C4F0C1-9F3E-0C84-D960-BE855BE7EA9E}"/>
+              </a:ext>
+            </a:extLst>
+          </p:cNvPr>
+          <p:cNvPicPr>
+            <a:picLocks noChangeAspect="1"/>
+          </p:cNvPicPr>
+          <p:nvPr/>
+        </p:nvPicPr>
+        <p:blipFill rotWithShape="1">
+          <a:blip r:embed="rId3"/>
+          <a:srcRect r="1510"/>
+          <a:stretch/>
+        </p:blipFill>
+        <p:spPr>
+          <a:xfrm>
+            <a:off x="504825" y="3723216"/>
+            <a:ext cx="11182350" cy="2254991"/>
+          </a:xfrm>
+          <a:prstGeom prst="rect">
+            <a:avLst/>
+          </a:prstGeom>
+        </p:spPr>
+      </p:pic>
+      <p:sp>
+        <p:nvSpPr>
+          <p:cNvPr id="9" name="Content Placeholder 2">
+            <a:extLst>
+              <a:ext uri="{FF2B5EF4-FFF2-40B4-BE49-F238E27FC236}">
+                <a16:creationId xmlns:a16="http://schemas.microsoft.com/office/drawing/2014/main" id="{E7E7BD2B-1689-35D7-0131-CCA2BA908016}"/>
+              </a:ext>
+            </a:extLst>
+          </p:cNvPr>
+          <p:cNvSpPr>
+            <a:spLocks noGrp="1"/>
+          </p:cNvSpPr>
+          <p:nvPr>
+            <p:ph idx="1"/>
+          </p:nvPr>
+        </p:nvSpPr>
+        <p:spPr>
+          <a:xfrm>
+            <a:off x="838200" y="1619447"/>
+            <a:ext cx="10515600" cy="1325563"/>
+          </a:xfrm>
+        </p:spPr>
+        <p:txBody>
+          <a:bodyPr/>
+          <a:lstStyle/>
+          <a:p>
+            <a:r>
+              <a:rPr lang="pl-PL" dirty="0">
+                <a:solidFill>
+                  <a:srgbClr val="202124"/>
+                </a:solidFill>
+              </a:rPr>
+              <a:t>Training generator – supervised</a:t>
+            </a:r>
+          </a:p>
+          <a:p>
+            <a:r>
+              <a:rPr lang="pl-PL" dirty="0">
+                <a:solidFill>
+                  <a:srgbClr val="202124"/>
+                </a:solidFill>
+              </a:rPr>
+              <a:t>Anomaly detection - unsupervised</a:t>
+            </a:r>
+            <a:endParaRPr lang="pl-PL" dirty="0"/>
+          </a:p>
+        </p:txBody>
+      </p:sp>
+    </p:spTree>
+    <p:extLst>
+      <p:ext uri="{BB962C8B-B14F-4D97-AF65-F5344CB8AC3E}">
+        <p14:creationId xmlns:p14="http://schemas.microsoft.com/office/powerpoint/2010/main" val="3070248231"/>
+      </p:ext>
+    </p:extLst>
+  </p:cSld>
+  <p:clrMapOvr>
+    <a:masterClrMapping/>
+  </p:clrMapOvr>
+</p:sld>
+</file>
+
 <file path=ppt/slides/slide2.xml><?xml version="1.0" encoding="utf-8"?>
 <p:sld xmlns:a="http://schemas.openxmlformats.org/drawingml/2006/main" xmlns:r="http://schemas.openxmlformats.org/officeDocument/2006/relationships" xmlns:p="http://schemas.openxmlformats.org/presentationml/2006/main">
   <p:cSld>
@@ -8480,7 +10363,7 @@
           <a:lstStyle/>
           <a:p>
             <a:r>
-              <a:rPr lang="en-US" b="1">
+              <a:rPr lang="en-US" b="1" dirty="0">
                 <a:solidFill>
                   <a:srgbClr val="FF0000"/>
                 </a:solidFill>
@@ -8488,22 +10371,21 @@
               <a:t>Anomaly detection </a:t>
             </a:r>
             <a:r>
-              <a:rPr lang="en-US"/>
+              <a:rPr lang="en-US" dirty="0"/>
               <a:t>is the task of </a:t>
             </a:r>
             <a:r>
-              <a:rPr lang="en-US" i="1"/>
+              <a:rPr lang="en-US" i="1" dirty="0"/>
               <a:t>identifying out of distribution </a:t>
             </a:r>
             <a:r>
-              <a:rPr lang="en-US"/>
+              <a:rPr lang="en-US" dirty="0"/>
               <a:t>examples</a:t>
             </a:r>
             <a:r>
-              <a:rPr lang="pl-PL"/>
+              <a:rPr lang="pl-PL" dirty="0"/>
               <a:t>.</a:t>
             </a:r>
-            <a:endParaRPr lang="pl-PL" dirty="0"/>
           </a:p>
         </p:txBody>
       </p:sp>
@@ -10018,4 +11900,299 @@
     </a:ext>
   </a:extLst>
 </a:theme>
+</file>
+
+<file path=ppt/theme/theme2.xml><?xml version="1.0" encoding="utf-8"?>
+<a:theme xmlns:a="http://schemas.openxmlformats.org/drawingml/2006/main" name="Office Theme">
+  <a:themeElements>
+    <a:clrScheme name="Office">
+      <a:dk1>
+        <a:sysClr val="windowText" lastClr="000000"/>
+      </a:dk1>
+      <a:lt1>
+        <a:sysClr val="window" lastClr="FFFFFF"/>
+      </a:lt1>
+      <a:dk2>
+        <a:srgbClr val="44546A"/>
+      </a:dk2>
+      <a:lt2>
+        <a:srgbClr val="E7E6E6"/>
+      </a:lt2>
+      <a:accent1>
+        <a:srgbClr val="4472C4"/>
+      </a:accent1>
+      <a:accent2>
+        <a:srgbClr val="ED7D31"/>
+      </a:accent2>
+      <a:accent3>
+        <a:srgbClr val="A5A5A5"/>
+      </a:accent3>
+      <a:accent4>
+        <a:srgbClr val="FFC000"/>
+      </a:accent4>
+      <a:accent5>
+        <a:srgbClr val="5B9BD5"/>
+      </a:accent5>
+      <a:accent6>
+        <a:srgbClr val="70AD47"/>
+      </a:accent6>
+      <a:hlink>
+        <a:srgbClr val="0563C1"/>
+      </a:hlink>
+      <a:folHlink>
+        <a:srgbClr val="954F72"/>
+      </a:folHlink>
+    </a:clrScheme>
+    <a:fontScheme name="Office">
+      <a:majorFont>
+        <a:latin typeface="Calibri Light" panose="020F0302020204030204"/>
+        <a:ea typeface=""/>
+        <a:cs typeface=""/>
+        <a:font script="Jpan" typeface="游ゴシック Light"/>
+        <a:font script="Hang" typeface="맑은 고딕"/>
+        <a:font script="Hans" typeface="等线 Light"/>
+        <a:font script="Hant" typeface="新細明體"/>
+        <a:font script="Arab" typeface="Times New Roman"/>
+        <a:font script="Hebr" typeface="Times New Roman"/>
+        <a:font script="Thai" typeface="Angsana New"/>
+        <a:font script="Ethi" typeface="Nyala"/>
+        <a:font script="Beng" typeface="Vrinda"/>
+        <a:font script="Gujr" typeface="Shruti"/>
+        <a:font script="Khmr" typeface="MoolBoran"/>
+        <a:font script="Knda" typeface="Tunga"/>
+        <a:font script="Guru" typeface="Raavi"/>
+        <a:font script="Cans" typeface="Euphemia"/>
+        <a:font script="Cher" typeface="Plantagenet Cherokee"/>
+        <a:font script="Yiii" typeface="Microsoft Yi Baiti"/>
+        <a:font script="Tibt" typeface="Microsoft Himalaya"/>
+        <a:font script="Thaa" typeface="MV Boli"/>
+        <a:font script="Deva" typeface="Mangal"/>
+        <a:font script="Telu" typeface="Gautami"/>
+        <a:font script="Taml" typeface="Latha"/>
+        <a:font script="Syrc" typeface="Estrangelo Edessa"/>
+        <a:font script="Orya" typeface="Kalinga"/>
+        <a:font script="Mlym" typeface="Kartika"/>
+        <a:font script="Laoo" typeface="DokChampa"/>
+        <a:font script="Sinh" typeface="Iskoola Pota"/>
+        <a:font script="Mong" typeface="Mongolian Baiti"/>
+        <a:font script="Viet" typeface="Times New Roman"/>
+        <a:font script="Uigh" typeface="Microsoft Uighur"/>
+        <a:font script="Geor" typeface="Sylfaen"/>
+        <a:font script="Armn" typeface="Arial"/>
+        <a:font script="Bugi" typeface="Leelawadee UI"/>
+        <a:font script="Bopo" typeface="Microsoft JhengHei"/>
+        <a:font script="Java" typeface="Javanese Text"/>
+        <a:font script="Lisu" typeface="Segoe UI"/>
+        <a:font script="Mymr" typeface="Myanmar Text"/>
+        <a:font script="Nkoo" typeface="Ebrima"/>
+        <a:font script="Olck" typeface="Nirmala UI"/>
+        <a:font script="Osma" typeface="Ebrima"/>
+        <a:font script="Phag" typeface="Phagspa"/>
+        <a:font script="Syrn" typeface="Estrangelo Edessa"/>
+        <a:font script="Syrj" typeface="Estrangelo Edessa"/>
+        <a:font script="Syre" typeface="Estrangelo Edessa"/>
+        <a:font script="Sora" typeface="Nirmala UI"/>
+        <a:font script="Tale" typeface="Microsoft Tai Le"/>
+        <a:font script="Talu" typeface="Microsoft New Tai Lue"/>
+        <a:font script="Tfng" typeface="Ebrima"/>
+      </a:majorFont>
+      <a:minorFont>
+        <a:latin typeface="Calibri" panose="020F0502020204030204"/>
+        <a:ea typeface=""/>
+        <a:cs typeface=""/>
+        <a:font script="Jpan" typeface="游ゴシック"/>
+        <a:font script="Hang" typeface="맑은 고딕"/>
+        <a:font script="Hans" typeface="等线"/>
+        <a:font script="Hant" typeface="新細明體"/>
+        <a:font script="Arab" typeface="Arial"/>
+        <a:font script="Hebr" typeface="Arial"/>
+        <a:font script="Thai" typeface="Cordia New"/>
+        <a:font script="Ethi" typeface="Nyala"/>
+        <a:font script="Beng" typeface="Vrinda"/>
+        <a:font script="Gujr" typeface="Shruti"/>
+        <a:font script="Khmr" typeface="DaunPenh"/>
+        <a:font script="Knda" typeface="Tunga"/>
+        <a:font script="Guru" typeface="Raavi"/>
+        <a:font script="Cans" typeface="Euphemia"/>
+        <a:font script="Cher" typeface="Plantagenet Cherokee"/>
+        <a:font script="Yiii" typeface="Microsoft Yi Baiti"/>
+        <a:font script="Tibt" typeface="Microsoft Himalaya"/>
+        <a:font script="Thaa" typeface="MV Boli"/>
+        <a:font script="Deva" typeface="Mangal"/>
+        <a:font script="Telu" typeface="Gautami"/>
+        <a:font script="Taml" typeface="Latha"/>
+        <a:font script="Syrc" typeface="Estrangelo Edessa"/>
+        <a:font script="Orya" typeface="Kalinga"/>
+        <a:font script="Mlym" typeface="Kartika"/>
+        <a:font script="Laoo" typeface="DokChampa"/>
+        <a:font script="Sinh" typeface="Iskoola Pota"/>
+        <a:font script="Mong" typeface="Mongolian Baiti"/>
+        <a:font script="Viet" typeface="Arial"/>
+        <a:font script="Uigh" typeface="Microsoft Uighur"/>
+        <a:font script="Geor" typeface="Sylfaen"/>
+        <a:font script="Armn" typeface="Arial"/>
+        <a:font script="Bugi" typeface="Leelawadee UI"/>
+        <a:font script="Bopo" typeface="Microsoft JhengHei"/>
+        <a:font script="Java" typeface="Javanese Text"/>
+        <a:font script="Lisu" typeface="Segoe UI"/>
+        <a:font script="Mymr" typeface="Myanmar Text"/>
+        <a:font script="Nkoo" typeface="Ebrima"/>
+        <a:font script="Olck" typeface="Nirmala UI"/>
+        <a:font script="Osma" typeface="Ebrima"/>
+        <a:font script="Phag" typeface="Phagspa"/>
+        <a:font script="Syrn" typeface="Estrangelo Edessa"/>
+        <a:font script="Syrj" typeface="Estrangelo Edessa"/>
+        <a:font script="Syre" typeface="Estrangelo Edessa"/>
+        <a:font script="Sora" typeface="Nirmala UI"/>
+        <a:font script="Tale" typeface="Microsoft Tai Le"/>
+        <a:font script="Talu" typeface="Microsoft New Tai Lue"/>
+        <a:font script="Tfng" typeface="Ebrima"/>
+      </a:minorFont>
+    </a:fontScheme>
+    <a:fmtScheme name="Office">
+      <a:fillStyleLst>
+        <a:solidFill>
+          <a:schemeClr val="phClr"/>
+        </a:solidFill>
+        <a:gradFill rotWithShape="1">
+          <a:gsLst>
+            <a:gs pos="0">
+              <a:schemeClr val="phClr">
+                <a:lumMod val="110000"/>
+                <a:satMod val="105000"/>
+                <a:tint val="67000"/>
+              </a:schemeClr>
+            </a:gs>
+            <a:gs pos="50000">
+              <a:schemeClr val="phClr">
+                <a:lumMod val="105000"/>
+                <a:satMod val="103000"/>
+                <a:tint val="73000"/>
+              </a:schemeClr>
+            </a:gs>
+            <a:gs pos="100000">
+              <a:schemeClr val="phClr">
+                <a:lumMod val="105000"/>
+                <a:satMod val="109000"/>
+                <a:tint val="81000"/>
+              </a:schemeClr>
+            </a:gs>
+          </a:gsLst>
+          <a:lin ang="5400000" scaled="0"/>
+        </a:gradFill>
+        <a:gradFill rotWithShape="1">
+          <a:gsLst>
+            <a:gs pos="0">
+              <a:schemeClr val="phClr">
+                <a:satMod val="103000"/>
+                <a:lumMod val="102000"/>
+                <a:tint val="94000"/>
+              </a:schemeClr>
+            </a:gs>
+            <a:gs pos="50000">
+              <a:schemeClr val="phClr">
+                <a:satMod val="110000"/>
+                <a:lumMod val="100000"/>
+                <a:shade val="100000"/>
+              </a:schemeClr>
+            </a:gs>
+            <a:gs pos="100000">
+              <a:schemeClr val="phClr">
+                <a:lumMod val="99000"/>
+                <a:satMod val="120000"/>
+                <a:shade val="78000"/>
+              </a:schemeClr>
+            </a:gs>
+          </a:gsLst>
+          <a:lin ang="5400000" scaled="0"/>
+        </a:gradFill>
+      </a:fillStyleLst>
+      <a:lnStyleLst>
+        <a:ln w="6350" cap="flat" cmpd="sng" algn="ctr">
+          <a:solidFill>
+            <a:schemeClr val="phClr"/>
+          </a:solidFill>
+          <a:prstDash val="solid"/>
+          <a:miter lim="800000"/>
+        </a:ln>
+        <a:ln w="12700" cap="flat" cmpd="sng" algn="ctr">
+          <a:solidFill>
+            <a:schemeClr val="phClr"/>
+          </a:solidFill>
+          <a:prstDash val="solid"/>
+          <a:miter lim="800000"/>
+        </a:ln>
+        <a:ln w="19050" cap="flat" cmpd="sng" algn="ctr">
+          <a:solidFill>
+            <a:schemeClr val="phClr"/>
+          </a:solidFill>
+          <a:prstDash val="solid"/>
+          <a:miter lim="800000"/>
+        </a:ln>
+      </a:lnStyleLst>
+      <a:effectStyleLst>
+        <a:effectStyle>
+          <a:effectLst/>
+        </a:effectStyle>
+        <a:effectStyle>
+          <a:effectLst/>
+        </a:effectStyle>
+        <a:effectStyle>
+          <a:effectLst>
+            <a:outerShdw blurRad="57150" dist="19050" dir="5400000" algn="ctr" rotWithShape="0">
+              <a:srgbClr val="000000">
+                <a:alpha val="63000"/>
+              </a:srgbClr>
+            </a:outerShdw>
+          </a:effectLst>
+        </a:effectStyle>
+      </a:effectStyleLst>
+      <a:bgFillStyleLst>
+        <a:solidFill>
+          <a:schemeClr val="phClr"/>
+        </a:solidFill>
+        <a:solidFill>
+          <a:schemeClr val="phClr">
+            <a:tint val="95000"/>
+            <a:satMod val="170000"/>
+          </a:schemeClr>
+        </a:solidFill>
+        <a:gradFill rotWithShape="1">
+          <a:gsLst>
+            <a:gs pos="0">
+              <a:schemeClr val="phClr">
+                <a:tint val="93000"/>
+                <a:satMod val="150000"/>
+                <a:shade val="98000"/>
+                <a:lumMod val="102000"/>
+              </a:schemeClr>
+            </a:gs>
+            <a:gs pos="50000">
+              <a:schemeClr val="phClr">
+                <a:tint val="98000"/>
+                <a:satMod val="130000"/>
+                <a:shade val="90000"/>
+                <a:lumMod val="103000"/>
+              </a:schemeClr>
+            </a:gs>
+            <a:gs pos="100000">
+              <a:schemeClr val="phClr">
+                <a:shade val="63000"/>
+                <a:satMod val="120000"/>
+              </a:schemeClr>
+            </a:gs>
+          </a:gsLst>
+          <a:lin ang="5400000" scaled="0"/>
+        </a:gradFill>
+      </a:bgFillStyleLst>
+    </a:fmtScheme>
+  </a:themeElements>
+  <a:objectDefaults/>
+  <a:extraClrSchemeLst/>
+  <a:extLst>
+    <a:ext uri="{05A4C25C-085E-4340-85A3-A5531E510DB2}">
+      <thm15:themeFamily xmlns:thm15="http://schemas.microsoft.com/office/thememl/2012/main" name="Office Theme" id="{62F939B6-93AF-4DB8-9C6B-D6C7DFDC589F}" vid="{4A3C46E8-61CC-4603-A589-7422A47A8E4A}"/>
+    </a:ext>
+  </a:extLst>
+</a:theme>
 </file>